--- a/Demo Presentations/FCC-Demo_1.pptx
+++ b/Demo Presentations/FCC-Demo_1.pptx
@@ -138,6 +138,7 @@
     <p1510:client id="{8BC95139-B796-4456-9984-80E7EFDF52B4}" v="35" dt="2019-09-26T19:45:34.873"/>
     <p1510:client id="{8FFA9DB8-0B5B-4DD8-870D-AAA9CD57968C}" v="599" dt="2019-09-26T22:41:38.646"/>
     <p1510:client id="{96144404-FCE5-41A8-92C1-174608E83349}" v="2" dt="2019-09-26T22:05:47.707"/>
+    <p1510:client id="{B0675208-F9D5-448F-BCA9-61810B890AD7}" v="9" dt="2019-09-27T11:51:20.058"/>
     <p1510:client id="{DA28B9A5-6AEA-4252-A952-85C6B0992167}" v="455" dt="2019-09-26T19:02:43.795"/>
     <p1510:client id="{E3A20D8A-EC7E-4BDF-B12C-82EFEEE14852}" v="13" dt="2019-09-26T18:08:37.454"/>
     <p1510:client id="{F4858201-4438-4CEB-A5FD-EA3E7E3FE671}" v="1395" dt="2019-09-26T22:07:50.345"/>
@@ -2928,25 +2929,25 @@
             <a:defRPr cap="all"/>
           </a:pPr>
           <a:r>
-            <a:rPr lang="en-US">
+            <a:rPr lang="en-US" dirty="0">
               <a:latin typeface="Calibri Light" panose="020F0302020204030204"/>
             </a:rPr>
-            <a:t> All-to-all</a:t>
+            <a:t>All-to-all</a:t>
           </a:r>
           <a:r>
-            <a:rPr lang="en-US" b="0" i="0" u="none" strike="noStrike" cap="all" baseline="0" noProof="0">
+            <a:rPr lang="en-US" b="0" i="0" u="none" strike="noStrike" cap="all" baseline="0" noProof="0" dirty="0">
               <a:latin typeface="Calibri Light"/>
               <a:cs typeface="Calibri Light"/>
             </a:rPr>
             <a:t> communication required between map</a:t>
           </a:r>
           <a:r>
-            <a:rPr lang="en-US">
+            <a:rPr lang="en-US" dirty="0">
               <a:latin typeface="Calibri Light" panose="020F0302020204030204"/>
             </a:rPr>
             <a:t> and reduce.</a:t>
           </a:r>
-          <a:endParaRPr lang="en-US"/>
+          <a:endParaRPr lang="en-US" dirty="0"/>
         </a:p>
       </dgm:t>
     </dgm:pt>
@@ -2983,7 +2984,7 @@
             <a:defRPr cap="all"/>
           </a:pPr>
           <a:r>
-            <a:rPr lang="en-US">
+            <a:rPr lang="en-US" dirty="0">
               <a:latin typeface="Calibri Light" panose="020F0302020204030204"/>
             </a:rPr>
             <a:t>Wait time of reduce phase.</a:t>
@@ -3013,31 +3014,37 @@
         </a:p>
       </dgm:t>
     </dgm:pt>
-    <dgm:pt modelId="{E1C4EC41-BEA9-4833-BE98-149B3956F0B0}">
+    <dgm:pt modelId="{43193B48-1638-40B8-BA43-F454302E5E07}">
       <dgm:prSet phldr="0"/>
       <dgm:spPr/>
       <dgm:t>
         <a:bodyPr/>
         <a:lstStyle/>
         <a:p>
+          <a:pPr rtl="0">
+            <a:defRPr cap="all"/>
+          </a:pPr>
           <a:r>
-            <a:rPr lang="en-US">
+            <a:rPr lang="en-US" dirty="0">
               <a:latin typeface="Calibri Light" panose="020F0302020204030204"/>
             </a:rPr>
             <a:t>The</a:t>
           </a:r>
           <a:r>
-            <a:rPr lang="en-US"/>
+            <a:rPr lang="en-US" dirty="0"/>
             <a:t> number of disk I/o operations done by the reduce phase equals the number of map outputs generated.</a:t>
           </a:r>
+          <a:endParaRPr lang="en-US" dirty="0">
+            <a:latin typeface="Calibri Light" panose="020F0302020204030204"/>
+          </a:endParaRPr>
         </a:p>
       </dgm:t>
     </dgm:pt>
-    <dgm:pt modelId="{DCCDA619-325E-4288-83ED-0D868058A961}" type="parTrans" cxnId="{1BBF7392-FCD8-4A4D-8502-B24185235B4E}">
+    <dgm:pt modelId="{848E9464-8F79-484D-9083-0FB63511BC25}" type="parTrans" cxnId="{B6957CA0-D560-4BA0-B5DB-3AA399EE363B}">
       <dgm:prSet/>
       <dgm:spPr/>
     </dgm:pt>
-    <dgm:pt modelId="{B41089A5-7647-4CC5-BC99-77A6A966479E}" type="sibTrans" cxnId="{1BBF7392-FCD8-4A4D-8502-B24185235B4E}">
+    <dgm:pt modelId="{65273D83-8413-4509-97EF-6F4E316D618F}" type="sibTrans" cxnId="{B6957CA0-D560-4BA0-B5DB-3AA399EE363B}">
       <dgm:prSet/>
       <dgm:spPr/>
     </dgm:pt>
@@ -3072,12 +3079,12 @@
       </dgm:prSet>
       <dgm:spPr/>
     </dgm:pt>
-    <dgm:pt modelId="{80730DE2-C2C0-44EC-B45A-7D4EA252B4A1}" type="pres">
+    <dgm:pt modelId="{9ABEFCF1-22AB-4E5E-BD78-4F6FB953D0D3}" type="pres">
       <dgm:prSet presAssocID="{E80C4CDB-81F2-4C7A-9457-00F5CB2660FA}" presName="spacer" presStyleCnt="0"/>
       <dgm:spPr/>
     </dgm:pt>
-    <dgm:pt modelId="{D3CFC75E-CA80-41E1-AFAF-F8EDEDA5BC1C}" type="pres">
-      <dgm:prSet presAssocID="{E1C4EC41-BEA9-4833-BE98-149B3956F0B0}" presName="parentText" presStyleLbl="node1" presStyleIdx="2" presStyleCnt="3">
+    <dgm:pt modelId="{9662069C-4FF2-4EB7-B946-5D531473399F}" type="pres">
+      <dgm:prSet presAssocID="{43193B48-1638-40B8-BA43-F454302E5E07}" presName="parentText" presStyleLbl="node1" presStyleIdx="2" presStyleCnt="3">
         <dgm:presLayoutVars>
           <dgm:chMax val="0"/>
           <dgm:bulletEnabled val="1"/>
@@ -3087,18 +3094,18 @@
     </dgm:pt>
   </dgm:ptLst>
   <dgm:cxnLst>
+    <dgm:cxn modelId="{0E479A0B-2214-4DEE-930E-E93CA4FC4B7A}" type="presOf" srcId="{E37EBC95-D9F4-4D0A-B077-7281735A5B15}" destId="{9FA5B4F1-CB69-4655-99F3-43E0903DBF0E}" srcOrd="0" destOrd="0" presId="urn:microsoft.com/office/officeart/2005/8/layout/vList2"/>
+    <dgm:cxn modelId="{E7CC3A0F-EB3C-4413-BD0B-F9D37F00C152}" type="presOf" srcId="{6B512F88-584F-469E-A84E-E50C593A3BD8}" destId="{19ECAAE9-C54E-4752-B03C-62572BDEB814}" srcOrd="0" destOrd="0" presId="urn:microsoft.com/office/officeart/2005/8/layout/vList2"/>
     <dgm:cxn modelId="{D64CAB5F-176D-42D1-A58E-CC169AB644C5}" srcId="{7FBE9BD6-9AAD-4774-AB0B-6DA995E1A5EC}" destId="{E37EBC95-D9F4-4D0A-B077-7281735A5B15}" srcOrd="0" destOrd="0" parTransId="{77FE3CE8-1A58-4B39-9712-AAAEA1253FE5}" sibTransId="{0F00CFBA-70B5-4CA5-8AB0-7B920DB5551C}"/>
     <dgm:cxn modelId="{BA0A208D-7B98-45A9-B3DE-58DE8E868F90}" type="presOf" srcId="{7FBE9BD6-9AAD-4774-AB0B-6DA995E1A5EC}" destId="{8DADF272-AF5D-481E-8D97-FC52E2D86E12}" srcOrd="0" destOrd="0" presId="urn:microsoft.com/office/officeart/2005/8/layout/vList2"/>
-    <dgm:cxn modelId="{1BBF7392-FCD8-4A4D-8502-B24185235B4E}" srcId="{7FBE9BD6-9AAD-4774-AB0B-6DA995E1A5EC}" destId="{E1C4EC41-BEA9-4833-BE98-149B3956F0B0}" srcOrd="2" destOrd="0" parTransId="{DCCDA619-325E-4288-83ED-0D868058A961}" sibTransId="{B41089A5-7647-4CC5-BC99-77A6A966479E}"/>
-    <dgm:cxn modelId="{BFBD30CB-B7A3-45C6-93E0-B0C0322BA126}" type="presOf" srcId="{E37EBC95-D9F4-4D0A-B077-7281735A5B15}" destId="{9FA5B4F1-CB69-4655-99F3-43E0903DBF0E}" srcOrd="0" destOrd="0" presId="urn:microsoft.com/office/officeart/2005/8/layout/vList2"/>
+    <dgm:cxn modelId="{B6957CA0-D560-4BA0-B5DB-3AA399EE363B}" srcId="{7FBE9BD6-9AAD-4774-AB0B-6DA995E1A5EC}" destId="{43193B48-1638-40B8-BA43-F454302E5E07}" srcOrd="2" destOrd="0" parTransId="{848E9464-8F79-484D-9083-0FB63511BC25}" sibTransId="{65273D83-8413-4509-97EF-6F4E316D618F}"/>
+    <dgm:cxn modelId="{3711A9DC-950D-45C1-99FC-18C89B7530D3}" type="presOf" srcId="{43193B48-1638-40B8-BA43-F454302E5E07}" destId="{9662069C-4FF2-4EB7-B946-5D531473399F}" srcOrd="0" destOrd="0" presId="urn:microsoft.com/office/officeart/2005/8/layout/vList2"/>
     <dgm:cxn modelId="{70D07AE5-56BB-436E-B3E0-ED841C6EF479}" srcId="{7FBE9BD6-9AAD-4774-AB0B-6DA995E1A5EC}" destId="{6B512F88-584F-469E-A84E-E50C593A3BD8}" srcOrd="1" destOrd="0" parTransId="{03113DF7-3A13-43B6-8626-5686177DC844}" sibTransId="{E80C4CDB-81F2-4C7A-9457-00F5CB2660FA}"/>
-    <dgm:cxn modelId="{3A3095F3-4738-4311-B0DB-90692AA94DE7}" type="presOf" srcId="{6B512F88-584F-469E-A84E-E50C593A3BD8}" destId="{19ECAAE9-C54E-4752-B03C-62572BDEB814}" srcOrd="0" destOrd="0" presId="urn:microsoft.com/office/officeart/2005/8/layout/vList2"/>
-    <dgm:cxn modelId="{9C785EF8-68B3-4953-99BA-7165E4881B64}" type="presOf" srcId="{E1C4EC41-BEA9-4833-BE98-149B3956F0B0}" destId="{D3CFC75E-CA80-41E1-AFAF-F8EDEDA5BC1C}" srcOrd="0" destOrd="0" presId="urn:microsoft.com/office/officeart/2005/8/layout/vList2"/>
-    <dgm:cxn modelId="{82D3709D-9D71-4070-9277-8F42D43052B9}" type="presParOf" srcId="{8DADF272-AF5D-481E-8D97-FC52E2D86E12}" destId="{9FA5B4F1-CB69-4655-99F3-43E0903DBF0E}" srcOrd="0" destOrd="0" presId="urn:microsoft.com/office/officeart/2005/8/layout/vList2"/>
-    <dgm:cxn modelId="{EAB567CD-163B-48D1-986E-011773AC9487}" type="presParOf" srcId="{8DADF272-AF5D-481E-8D97-FC52E2D86E12}" destId="{7A62C372-B464-47EA-B342-246EF1B6C86E}" srcOrd="1" destOrd="0" presId="urn:microsoft.com/office/officeart/2005/8/layout/vList2"/>
-    <dgm:cxn modelId="{D7A9958B-BF7C-4962-BDF9-411DC4278C88}" type="presParOf" srcId="{8DADF272-AF5D-481E-8D97-FC52E2D86E12}" destId="{19ECAAE9-C54E-4752-B03C-62572BDEB814}" srcOrd="2" destOrd="0" presId="urn:microsoft.com/office/officeart/2005/8/layout/vList2"/>
-    <dgm:cxn modelId="{DFBB118C-BA72-4D1B-9D8C-6DE3A68610DF}" type="presParOf" srcId="{8DADF272-AF5D-481E-8D97-FC52E2D86E12}" destId="{80730DE2-C2C0-44EC-B45A-7D4EA252B4A1}" srcOrd="3" destOrd="0" presId="urn:microsoft.com/office/officeart/2005/8/layout/vList2"/>
-    <dgm:cxn modelId="{ED2F1157-7173-4DBC-A0C9-17F498157C51}" type="presParOf" srcId="{8DADF272-AF5D-481E-8D97-FC52E2D86E12}" destId="{D3CFC75E-CA80-41E1-AFAF-F8EDEDA5BC1C}" srcOrd="4" destOrd="0" presId="urn:microsoft.com/office/officeart/2005/8/layout/vList2"/>
+    <dgm:cxn modelId="{0E22F0F3-BD4B-42FE-8BA8-7A5492D7EBA5}" type="presParOf" srcId="{8DADF272-AF5D-481E-8D97-FC52E2D86E12}" destId="{9FA5B4F1-CB69-4655-99F3-43E0903DBF0E}" srcOrd="0" destOrd="0" presId="urn:microsoft.com/office/officeart/2005/8/layout/vList2"/>
+    <dgm:cxn modelId="{E6E4789B-2D19-478A-9091-26B6E34D114B}" type="presParOf" srcId="{8DADF272-AF5D-481E-8D97-FC52E2D86E12}" destId="{7A62C372-B464-47EA-B342-246EF1B6C86E}" srcOrd="1" destOrd="0" presId="urn:microsoft.com/office/officeart/2005/8/layout/vList2"/>
+    <dgm:cxn modelId="{366EAC1B-934F-47BF-847C-ACE93E793164}" type="presParOf" srcId="{8DADF272-AF5D-481E-8D97-FC52E2D86E12}" destId="{19ECAAE9-C54E-4752-B03C-62572BDEB814}" srcOrd="2" destOrd="0" presId="urn:microsoft.com/office/officeart/2005/8/layout/vList2"/>
+    <dgm:cxn modelId="{8AFB9603-F87C-43D8-9409-1A027C26C347}" type="presParOf" srcId="{8DADF272-AF5D-481E-8D97-FC52E2D86E12}" destId="{9ABEFCF1-22AB-4E5E-BD78-4F6FB953D0D3}" srcOrd="3" destOrd="0" presId="urn:microsoft.com/office/officeart/2005/8/layout/vList2"/>
+    <dgm:cxn modelId="{65654E14-1722-4197-9927-EBD067B48D9B}" type="presParOf" srcId="{8DADF272-AF5D-481E-8D97-FC52E2D86E12}" destId="{9662069C-4FF2-4EB7-B946-5D531473399F}" srcOrd="4" destOrd="0" presId="urn:microsoft.com/office/officeart/2005/8/layout/vList2"/>
   </dgm:cxnLst>
   <dgm:bg/>
   <dgm:whole/>
@@ -3566,8 +3573,8 @@
       </dsp:nvSpPr>
       <dsp:spPr>
         <a:xfrm>
-          <a:off x="0" y="211032"/>
-          <a:ext cx="6513603" cy="1759680"/>
+          <a:off x="0" y="512566"/>
+          <a:ext cx="6513603" cy="1566337"/>
         </a:xfrm>
         <a:prstGeom prst="roundRect">
           <a:avLst/>
@@ -3609,12 +3616,12 @@
         </a:fontRef>
       </dsp:style>
       <dsp:txBody>
-        <a:bodyPr spcFirstLastPara="0" vert="horz" wrap="square" lIns="121920" tIns="121920" rIns="121920" bIns="121920" numCol="1" spcCol="1270" anchor="ctr" anchorCtr="0">
+        <a:bodyPr spcFirstLastPara="0" vert="horz" wrap="square" lIns="106680" tIns="106680" rIns="106680" bIns="106680" numCol="1" spcCol="1270" anchor="ctr" anchorCtr="0">
           <a:noAutofit/>
         </a:bodyPr>
         <a:lstStyle/>
         <a:p>
-          <a:pPr marL="0" lvl="0" indent="0" algn="l" defTabSz="1422400" rtl="0">
+          <a:pPr marL="0" lvl="0" indent="0" algn="l" defTabSz="1244600" rtl="0">
             <a:lnSpc>
               <a:spcPct val="90000"/>
             </a:lnSpc>
@@ -3628,30 +3635,30 @@
             <a:defRPr cap="all"/>
           </a:pPr>
           <a:r>
-            <a:rPr lang="en-US" sz="3200" kern="1200">
+            <a:rPr lang="en-US" sz="2800" kern="1200" dirty="0">
               <a:latin typeface="Calibri Light" panose="020F0302020204030204"/>
             </a:rPr>
-            <a:t> All-to-all</a:t>
+            <a:t>All-to-all</a:t>
           </a:r>
           <a:r>
-            <a:rPr lang="en-US" sz="3200" b="0" i="0" u="none" strike="noStrike" kern="1200" cap="all" baseline="0" noProof="0">
+            <a:rPr lang="en-US" sz="2800" b="0" i="0" u="none" strike="noStrike" kern="1200" cap="all" baseline="0" noProof="0" dirty="0">
               <a:latin typeface="Calibri Light"/>
               <a:cs typeface="Calibri Light"/>
             </a:rPr>
             <a:t> communication required between map</a:t>
           </a:r>
           <a:r>
-            <a:rPr lang="en-US" sz="3200" kern="1200">
+            <a:rPr lang="en-US" sz="2800" kern="1200" dirty="0">
               <a:latin typeface="Calibri Light" panose="020F0302020204030204"/>
             </a:rPr>
             <a:t> and reduce.</a:t>
           </a:r>
-          <a:endParaRPr lang="en-US" sz="3200" kern="1200"/>
+          <a:endParaRPr lang="en-US" sz="2800" kern="1200" dirty="0"/>
         </a:p>
       </dsp:txBody>
       <dsp:txXfrm>
-        <a:off x="85900" y="296932"/>
-        <a:ext cx="6341803" cy="1587880"/>
+        <a:off x="76462" y="589028"/>
+        <a:ext cx="6360679" cy="1413413"/>
       </dsp:txXfrm>
     </dsp:sp>
     <dsp:sp modelId="{19ECAAE9-C54E-4752-B03C-62572BDEB814}">
@@ -3661,8 +3668,8 @@
       </dsp:nvSpPr>
       <dsp:spPr>
         <a:xfrm>
-          <a:off x="0" y="2062873"/>
-          <a:ext cx="6513603" cy="1759680"/>
+          <a:off x="0" y="2159544"/>
+          <a:ext cx="6513603" cy="1566337"/>
         </a:xfrm>
         <a:prstGeom prst="roundRect">
           <a:avLst/>
@@ -3704,12 +3711,12 @@
         </a:fontRef>
       </dsp:style>
       <dsp:txBody>
-        <a:bodyPr spcFirstLastPara="0" vert="horz" wrap="square" lIns="121920" tIns="121920" rIns="121920" bIns="121920" numCol="1" spcCol="1270" anchor="ctr" anchorCtr="0">
+        <a:bodyPr spcFirstLastPara="0" vert="horz" wrap="square" lIns="106680" tIns="106680" rIns="106680" bIns="106680" numCol="1" spcCol="1270" anchor="ctr" anchorCtr="0">
           <a:noAutofit/>
         </a:bodyPr>
         <a:lstStyle/>
         <a:p>
-          <a:pPr marL="0" lvl="0" indent="0" algn="l" defTabSz="1422400" rtl="0">
+          <a:pPr marL="0" lvl="0" indent="0" algn="l" defTabSz="1244600" rtl="0">
             <a:lnSpc>
               <a:spcPct val="90000"/>
             </a:lnSpc>
@@ -3723,7 +3730,7 @@
             <a:defRPr cap="all"/>
           </a:pPr>
           <a:r>
-            <a:rPr lang="en-US" sz="3200" kern="1200">
+            <a:rPr lang="en-US" sz="2800" kern="1200" dirty="0">
               <a:latin typeface="Calibri Light" panose="020F0302020204030204"/>
             </a:rPr>
             <a:t>Wait time of reduce phase.</a:t>
@@ -3731,19 +3738,19 @@
         </a:p>
       </dsp:txBody>
       <dsp:txXfrm>
-        <a:off x="85900" y="2148773"/>
-        <a:ext cx="6341803" cy="1587880"/>
+        <a:off x="76462" y="2236006"/>
+        <a:ext cx="6360679" cy="1413413"/>
       </dsp:txXfrm>
     </dsp:sp>
-    <dsp:sp modelId="{D3CFC75E-CA80-41E1-AFAF-F8EDEDA5BC1C}">
+    <dsp:sp modelId="{9662069C-4FF2-4EB7-B946-5D531473399F}">
       <dsp:nvSpPr>
         <dsp:cNvPr id="0" name=""/>
         <dsp:cNvSpPr/>
       </dsp:nvSpPr>
       <dsp:spPr>
         <a:xfrm>
-          <a:off x="0" y="3914713"/>
-          <a:ext cx="6513603" cy="1759680"/>
+          <a:off x="0" y="3806521"/>
+          <a:ext cx="6513603" cy="1566337"/>
         </a:xfrm>
         <a:prstGeom prst="roundRect">
           <a:avLst/>
@@ -3785,12 +3792,12 @@
         </a:fontRef>
       </dsp:style>
       <dsp:txBody>
-        <a:bodyPr spcFirstLastPara="0" vert="horz" wrap="square" lIns="121920" tIns="121920" rIns="121920" bIns="121920" numCol="1" spcCol="1270" anchor="ctr" anchorCtr="0">
+        <a:bodyPr spcFirstLastPara="0" vert="horz" wrap="square" lIns="106680" tIns="106680" rIns="106680" bIns="106680" numCol="1" spcCol="1270" anchor="ctr" anchorCtr="0">
           <a:noAutofit/>
         </a:bodyPr>
         <a:lstStyle/>
         <a:p>
-          <a:pPr marL="0" lvl="0" indent="0" algn="l" defTabSz="1422400">
+          <a:pPr marL="0" lvl="0" indent="0" algn="l" defTabSz="1244600" rtl="0">
             <a:lnSpc>
               <a:spcPct val="90000"/>
             </a:lnSpc>
@@ -3801,22 +3808,26 @@
               <a:spcPct val="35000"/>
             </a:spcAft>
             <a:buNone/>
+            <a:defRPr cap="all"/>
           </a:pPr>
           <a:r>
-            <a:rPr lang="en-US" sz="3200" kern="1200">
+            <a:rPr lang="en-US" sz="2800" kern="1200" dirty="0">
               <a:latin typeface="Calibri Light" panose="020F0302020204030204"/>
             </a:rPr>
             <a:t>The</a:t>
           </a:r>
           <a:r>
-            <a:rPr lang="en-US" sz="3200" kern="1200"/>
+            <a:rPr lang="en-US" sz="2800" kern="1200" dirty="0"/>
             <a:t> number of disk I/o operations done by the reduce phase equals the number of map outputs generated.</a:t>
           </a:r>
+          <a:endParaRPr lang="en-US" sz="2800" kern="1200" dirty="0">
+            <a:latin typeface="Calibri Light" panose="020F0302020204030204"/>
+          </a:endParaRPr>
         </a:p>
       </dsp:txBody>
       <dsp:txXfrm>
-        <a:off x="85900" y="4000613"/>
-        <a:ext cx="6341803" cy="1587880"/>
+        <a:off x="76462" y="3882983"/>
+        <a:ext cx="6360679" cy="1413413"/>
       </dsp:txXfrm>
     </dsp:sp>
   </dsp:spTree>
@@ -8103,7 +8114,7 @@
           <a:p>
             <a:fld id="{CBBC6303-8800-4413-9F7B-58EFFC36C955}" type="datetimeFigureOut">
               <a:rPr lang="en-US"/>
-              <a:t>9/26/2019</a:t>
+              <a:t>9/27/2019</a:t>
             </a:fld>
             <a:endParaRPr lang="en-US"/>
           </a:p>
@@ -8887,7 +8898,7 @@
           <a:p>
             <a:fld id="{C764DE79-268F-4C1A-8933-263129D2AF90}" type="datetimeFigureOut">
               <a:rPr lang="en-US" dirty="0"/>
-              <a:t>9/26/2019</a:t>
+              <a:t>9/27/2019</a:t>
             </a:fld>
             <a:endParaRPr lang="en-US"/>
           </a:p>
@@ -9055,7 +9066,7 @@
           <a:p>
             <a:fld id="{C764DE79-268F-4C1A-8933-263129D2AF90}" type="datetimeFigureOut">
               <a:rPr lang="en-US" dirty="0"/>
-              <a:t>9/26/2019</a:t>
+              <a:t>9/27/2019</a:t>
             </a:fld>
             <a:endParaRPr lang="en-US"/>
           </a:p>
@@ -9233,7 +9244,7 @@
           <a:p>
             <a:fld id="{C764DE79-268F-4C1A-8933-263129D2AF90}" type="datetimeFigureOut">
               <a:rPr lang="en-US" dirty="0"/>
-              <a:t>9/26/2019</a:t>
+              <a:t>9/27/2019</a:t>
             </a:fld>
             <a:endParaRPr lang="en-US"/>
           </a:p>
@@ -9401,7 +9412,7 @@
           <a:p>
             <a:fld id="{C764DE79-268F-4C1A-8933-263129D2AF90}" type="datetimeFigureOut">
               <a:rPr lang="en-US" dirty="0"/>
-              <a:t>9/26/2019</a:t>
+              <a:t>9/27/2019</a:t>
             </a:fld>
             <a:endParaRPr lang="en-US"/>
           </a:p>
@@ -9646,7 +9657,7 @@
           <a:p>
             <a:fld id="{C764DE79-268F-4C1A-8933-263129D2AF90}" type="datetimeFigureOut">
               <a:rPr lang="en-US" dirty="0"/>
-              <a:t>9/26/2019</a:t>
+              <a:t>9/27/2019</a:t>
             </a:fld>
             <a:endParaRPr lang="en-US"/>
           </a:p>
@@ -9875,7 +9886,7 @@
           <a:p>
             <a:fld id="{C764DE79-268F-4C1A-8933-263129D2AF90}" type="datetimeFigureOut">
               <a:rPr lang="en-US" dirty="0"/>
-              <a:t>9/26/2019</a:t>
+              <a:t>9/27/2019</a:t>
             </a:fld>
             <a:endParaRPr lang="en-US"/>
           </a:p>
@@ -10239,7 +10250,7 @@
           <a:p>
             <a:fld id="{C764DE79-268F-4C1A-8933-263129D2AF90}" type="datetimeFigureOut">
               <a:rPr lang="en-US" dirty="0"/>
-              <a:t>9/26/2019</a:t>
+              <a:t>9/27/2019</a:t>
             </a:fld>
             <a:endParaRPr lang="en-US"/>
           </a:p>
@@ -10356,7 +10367,7 @@
           <a:p>
             <a:fld id="{C764DE79-268F-4C1A-8933-263129D2AF90}" type="datetimeFigureOut">
               <a:rPr lang="en-US" dirty="0"/>
-              <a:t>9/26/2019</a:t>
+              <a:t>9/27/2019</a:t>
             </a:fld>
             <a:endParaRPr lang="en-US"/>
           </a:p>
@@ -10451,7 +10462,7 @@
           <a:p>
             <a:fld id="{C764DE79-268F-4C1A-8933-263129D2AF90}" type="datetimeFigureOut">
               <a:rPr lang="en-US" dirty="0"/>
-              <a:t>9/26/2019</a:t>
+              <a:t>9/27/2019</a:t>
             </a:fld>
             <a:endParaRPr lang="en-US"/>
           </a:p>
@@ -10726,7 +10737,7 @@
           <a:p>
             <a:fld id="{C764DE79-268F-4C1A-8933-263129D2AF90}" type="datetimeFigureOut">
               <a:rPr lang="en-US" dirty="0"/>
-              <a:t>9/26/2019</a:t>
+              <a:t>9/27/2019</a:t>
             </a:fld>
             <a:endParaRPr lang="en-US"/>
           </a:p>
@@ -10978,7 +10989,7 @@
           <a:p>
             <a:fld id="{C764DE79-268F-4C1A-8933-263129D2AF90}" type="datetimeFigureOut">
               <a:rPr lang="en-US" dirty="0"/>
-              <a:t>9/26/2019</a:t>
+              <a:t>9/27/2019</a:t>
             </a:fld>
             <a:endParaRPr lang="en-US"/>
           </a:p>
@@ -11189,7 +11200,7 @@
           <a:p>
             <a:fld id="{C764DE79-268F-4C1A-8933-263129D2AF90}" type="datetimeFigureOut">
               <a:rPr lang="en-US" dirty="0"/>
-              <a:t>9/26/2019</a:t>
+              <a:t>9/27/2019</a:t>
             </a:fld>
             <a:endParaRPr lang="en-US"/>
           </a:p>
@@ -15000,7 +15011,7 @@
           <a:lstStyle/>
           <a:p>
             <a:pPr algn="ctr"/>
-            <a:endParaRPr lang="en-US" dirty="0"/>
+            <a:endParaRPr lang="en-US"/>
           </a:p>
         </p:txBody>
       </p:sp>
